--- a/Networks/Networks2.pptx
+++ b/Networks/Networks2.pptx
@@ -279,7 +279,7 @@
           <a:p>
             <a:fld id="{EC791C76-AA82-7C46-80D9-126AEF1F9BF6}" type="datetimeFigureOut">
               <a:rPr lang="en-RU" smtClean="0"/>
-              <a:t>30.11.2020</a:t>
+              <a:t>21.06.2021</a:t>
             </a:fld>
             <a:endParaRPr lang="en-RU"/>
           </a:p>
@@ -479,7 +479,7 @@
           <a:p>
             <a:fld id="{EC791C76-AA82-7C46-80D9-126AEF1F9BF6}" type="datetimeFigureOut">
               <a:rPr lang="en-RU" smtClean="0"/>
-              <a:t>30.11.2020</a:t>
+              <a:t>21.06.2021</a:t>
             </a:fld>
             <a:endParaRPr lang="en-RU"/>
           </a:p>
@@ -689,7 +689,7 @@
           <a:p>
             <a:fld id="{EC791C76-AA82-7C46-80D9-126AEF1F9BF6}" type="datetimeFigureOut">
               <a:rPr lang="en-RU" smtClean="0"/>
-              <a:t>30.11.2020</a:t>
+              <a:t>21.06.2021</a:t>
             </a:fld>
             <a:endParaRPr lang="en-RU"/>
           </a:p>
@@ -1156,7 +1156,7 @@
           <a:p>
             <a:fld id="{EC791C76-AA82-7C46-80D9-126AEF1F9BF6}" type="datetimeFigureOut">
               <a:rPr lang="en-RU" smtClean="0"/>
-              <a:t>30.11.2020</a:t>
+              <a:t>21.06.2021</a:t>
             </a:fld>
             <a:endParaRPr lang="en-RU"/>
           </a:p>
@@ -1432,7 +1432,7 @@
           <a:p>
             <a:fld id="{EC791C76-AA82-7C46-80D9-126AEF1F9BF6}" type="datetimeFigureOut">
               <a:rPr lang="en-RU" smtClean="0"/>
-              <a:t>30.11.2020</a:t>
+              <a:t>21.06.2021</a:t>
             </a:fld>
             <a:endParaRPr lang="en-RU"/>
           </a:p>
@@ -1700,7 +1700,7 @@
           <a:p>
             <a:fld id="{EC791C76-AA82-7C46-80D9-126AEF1F9BF6}" type="datetimeFigureOut">
               <a:rPr lang="en-RU" smtClean="0"/>
-              <a:t>30.11.2020</a:t>
+              <a:t>21.06.2021</a:t>
             </a:fld>
             <a:endParaRPr lang="en-RU"/>
           </a:p>
@@ -2115,7 +2115,7 @@
           <a:p>
             <a:fld id="{EC791C76-AA82-7C46-80D9-126AEF1F9BF6}" type="datetimeFigureOut">
               <a:rPr lang="en-RU" smtClean="0"/>
-              <a:t>30.11.2020</a:t>
+              <a:t>21.06.2021</a:t>
             </a:fld>
             <a:endParaRPr lang="en-RU"/>
           </a:p>
@@ -2257,7 +2257,7 @@
           <a:p>
             <a:fld id="{EC791C76-AA82-7C46-80D9-126AEF1F9BF6}" type="datetimeFigureOut">
               <a:rPr lang="en-RU" smtClean="0"/>
-              <a:t>30.11.2020</a:t>
+              <a:t>21.06.2021</a:t>
             </a:fld>
             <a:endParaRPr lang="en-RU"/>
           </a:p>
@@ -2370,7 +2370,7 @@
           <a:p>
             <a:fld id="{EC791C76-AA82-7C46-80D9-126AEF1F9BF6}" type="datetimeFigureOut">
               <a:rPr lang="en-RU" smtClean="0"/>
-              <a:t>30.11.2020</a:t>
+              <a:t>21.06.2021</a:t>
             </a:fld>
             <a:endParaRPr lang="en-RU"/>
           </a:p>
@@ -2683,7 +2683,7 @@
           <a:p>
             <a:fld id="{EC791C76-AA82-7C46-80D9-126AEF1F9BF6}" type="datetimeFigureOut">
               <a:rPr lang="en-RU" smtClean="0"/>
-              <a:t>30.11.2020</a:t>
+              <a:t>21.06.2021</a:t>
             </a:fld>
             <a:endParaRPr lang="en-RU"/>
           </a:p>
@@ -2972,7 +2972,7 @@
           <a:p>
             <a:fld id="{EC791C76-AA82-7C46-80D9-126AEF1F9BF6}" type="datetimeFigureOut">
               <a:rPr lang="en-RU" smtClean="0"/>
-              <a:t>30.11.2020</a:t>
+              <a:t>21.06.2021</a:t>
             </a:fld>
             <a:endParaRPr lang="en-RU"/>
           </a:p>
@@ -3215,7 +3215,7 @@
           <a:p>
             <a:fld id="{EC791C76-AA82-7C46-80D9-126AEF1F9BF6}" type="datetimeFigureOut">
               <a:rPr lang="en-RU" smtClean="0"/>
-              <a:t>30.11.2020</a:t>
+              <a:t>21.06.2021</a:t>
             </a:fld>
             <a:endParaRPr lang="en-RU"/>
           </a:p>
@@ -4541,12 +4541,8 @@
           <a:lstStyle/>
           <a:p>
             <a:r>
-              <a:rPr lang="en-US" dirty="0" err="1"/>
-              <a:t>Spaning</a:t>
-            </a:r>
-            <a:r>
               <a:rPr lang="en-US" dirty="0"/>
-              <a:t> Tree Protocol</a:t>
+              <a:t>Spanning Tree Protocol</a:t>
             </a:r>
           </a:p>
         </p:txBody>
